--- a/semester5.2/презентація2.pptx
+++ b/semester5.2/презентація2.pptx
@@ -3548,7 +3548,7 @@
                 <a:ea typeface="Times New Roman"/>
                 <a:cs typeface="Times New Roman"/>
               </a:rPr>
-              <a:t>«Ontological information system for monitoring the </a:t>
+              <a:t>“Ontological information system for monitoring the </a:t>
             </a:r>
             <a:r>
               <a:rPr lang="uk-UA" sz="3200" b="0" i="0" u="none" strike="noStrike" cap="none" spc="0">
@@ -3561,7 +3561,7 @@
                 <a:ea typeface="Times New Roman"/>
                 <a:cs typeface="Times New Roman"/>
               </a:rPr>
-              <a:t>indicators of the level of international cooperation</a:t>
+              <a:t>indicators of the level of international cooperation”</a:t>
             </a:r>
             <a:endParaRPr sz="3600">
               <a:solidFill>
